--- a/Презентация.pptx
+++ b/Презентация.pptx
@@ -10,12 +10,15 @@
     <p:sldId id="258" r:id="rId4"/>
     <p:sldId id="259" r:id="rId5"/>
     <p:sldId id="260" r:id="rId6"/>
-    <p:sldId id="261" r:id="rId7"/>
-    <p:sldId id="262" r:id="rId8"/>
-    <p:sldId id="263" r:id="rId9"/>
-    <p:sldId id="264" r:id="rId10"/>
-    <p:sldId id="265" r:id="rId11"/>
-    <p:sldId id="266" r:id="rId12"/>
+    <p:sldId id="267" r:id="rId7"/>
+    <p:sldId id="268" r:id="rId8"/>
+    <p:sldId id="269" r:id="rId9"/>
+    <p:sldId id="261" r:id="rId10"/>
+    <p:sldId id="262" r:id="rId11"/>
+    <p:sldId id="263" r:id="rId12"/>
+    <p:sldId id="264" r:id="rId13"/>
+    <p:sldId id="265" r:id="rId14"/>
+    <p:sldId id="266" r:id="rId15"/>
   </p:sldIdLst>
   <p:sldSz cx="12192000" cy="6858000"/>
   <p:notesSz cx="6858000" cy="9144000"/>
@@ -114,6 +117,11 @@
       </a:defRPr>
     </a:lvl9pPr>
   </p:defaultTextStyle>
+  <p:extLst>
+    <p:ext uri="{EFAFB233-063F-42B5-8137-9DF3F51BA10A}">
+      <p15:sldGuideLst xmlns:p15="http://schemas.microsoft.com/office/powerpoint/2012/main"/>
+    </p:ext>
+  </p:extLst>
 </p:presentation>
 </file>
 
@@ -248,7 +256,7 @@
           <a:p>
             <a:fld id="{30C36AC2-90A7-4CB8-82BB-713FD39F16DD}" type="datetimeFigureOut">
               <a:rPr lang="ru-RU" smtClean="0"/>
-              <a:t>05.02.2022</a:t>
+              <a:t>10.02.2022</a:t>
             </a:fld>
             <a:endParaRPr lang="ru-RU"/>
           </a:p>
@@ -418,7 +426,7 @@
           <a:p>
             <a:fld id="{30C36AC2-90A7-4CB8-82BB-713FD39F16DD}" type="datetimeFigureOut">
               <a:rPr lang="ru-RU" smtClean="0"/>
-              <a:t>05.02.2022</a:t>
+              <a:t>10.02.2022</a:t>
             </a:fld>
             <a:endParaRPr lang="ru-RU"/>
           </a:p>
@@ -598,7 +606,7 @@
           <a:p>
             <a:fld id="{30C36AC2-90A7-4CB8-82BB-713FD39F16DD}" type="datetimeFigureOut">
               <a:rPr lang="ru-RU" smtClean="0"/>
-              <a:t>05.02.2022</a:t>
+              <a:t>10.02.2022</a:t>
             </a:fld>
             <a:endParaRPr lang="ru-RU"/>
           </a:p>
@@ -768,7 +776,7 @@
           <a:p>
             <a:fld id="{30C36AC2-90A7-4CB8-82BB-713FD39F16DD}" type="datetimeFigureOut">
               <a:rPr lang="ru-RU" smtClean="0"/>
-              <a:t>05.02.2022</a:t>
+              <a:t>10.02.2022</a:t>
             </a:fld>
             <a:endParaRPr lang="ru-RU"/>
           </a:p>
@@ -1014,7 +1022,7 @@
           <a:p>
             <a:fld id="{30C36AC2-90A7-4CB8-82BB-713FD39F16DD}" type="datetimeFigureOut">
               <a:rPr lang="ru-RU" smtClean="0"/>
-              <a:t>05.02.2022</a:t>
+              <a:t>10.02.2022</a:t>
             </a:fld>
             <a:endParaRPr lang="ru-RU"/>
           </a:p>
@@ -1246,7 +1254,7 @@
           <a:p>
             <a:fld id="{30C36AC2-90A7-4CB8-82BB-713FD39F16DD}" type="datetimeFigureOut">
               <a:rPr lang="ru-RU" smtClean="0"/>
-              <a:t>05.02.2022</a:t>
+              <a:t>10.02.2022</a:t>
             </a:fld>
             <a:endParaRPr lang="ru-RU"/>
           </a:p>
@@ -1613,7 +1621,7 @@
           <a:p>
             <a:fld id="{30C36AC2-90A7-4CB8-82BB-713FD39F16DD}" type="datetimeFigureOut">
               <a:rPr lang="ru-RU" smtClean="0"/>
-              <a:t>05.02.2022</a:t>
+              <a:t>10.02.2022</a:t>
             </a:fld>
             <a:endParaRPr lang="ru-RU"/>
           </a:p>
@@ -1731,7 +1739,7 @@
           <a:p>
             <a:fld id="{30C36AC2-90A7-4CB8-82BB-713FD39F16DD}" type="datetimeFigureOut">
               <a:rPr lang="ru-RU" smtClean="0"/>
-              <a:t>05.02.2022</a:t>
+              <a:t>10.02.2022</a:t>
             </a:fld>
             <a:endParaRPr lang="ru-RU"/>
           </a:p>
@@ -1826,7 +1834,7 @@
           <a:p>
             <a:fld id="{30C36AC2-90A7-4CB8-82BB-713FD39F16DD}" type="datetimeFigureOut">
               <a:rPr lang="ru-RU" smtClean="0"/>
-              <a:t>05.02.2022</a:t>
+              <a:t>10.02.2022</a:t>
             </a:fld>
             <a:endParaRPr lang="ru-RU"/>
           </a:p>
@@ -2103,7 +2111,7 @@
           <a:p>
             <a:fld id="{30C36AC2-90A7-4CB8-82BB-713FD39F16DD}" type="datetimeFigureOut">
               <a:rPr lang="ru-RU" smtClean="0"/>
-              <a:t>05.02.2022</a:t>
+              <a:t>10.02.2022</a:t>
             </a:fld>
             <a:endParaRPr lang="ru-RU"/>
           </a:p>
@@ -2356,7 +2364,7 @@
           <a:p>
             <a:fld id="{30C36AC2-90A7-4CB8-82BB-713FD39F16DD}" type="datetimeFigureOut">
               <a:rPr lang="ru-RU" smtClean="0"/>
-              <a:t>05.02.2022</a:t>
+              <a:t>10.02.2022</a:t>
             </a:fld>
             <a:endParaRPr lang="ru-RU"/>
           </a:p>
@@ -2569,7 +2577,7 @@
           <a:p>
             <a:fld id="{30C36AC2-90A7-4CB8-82BB-713FD39F16DD}" type="datetimeFigureOut">
               <a:rPr lang="ru-RU" smtClean="0"/>
-              <a:t>05.02.2022</a:t>
+              <a:t>10.02.2022</a:t>
             </a:fld>
             <a:endParaRPr lang="ru-RU"/>
           </a:p>
@@ -3037,801 +3045,17 @@
   <p:clrMapOvr>
     <a:masterClrMapping/>
   </p:clrMapOvr>
+  <p:timing>
+    <p:tnLst>
+      <p:par>
+        <p:cTn id="1" dur="indefinite" restart="never" nodeType="tmRoot"/>
+      </p:par>
+    </p:tnLst>
+  </p:timing>
 </p:sld>
 </file>
 
 <file path=ppt/slides/slide10.xml><?xml version="1.0" encoding="utf-8"?>
-<p:sld xmlns:a="http://schemas.openxmlformats.org/drawingml/2006/main" xmlns:r="http://schemas.openxmlformats.org/officeDocument/2006/relationships" xmlns:p="http://schemas.openxmlformats.org/presentationml/2006/main">
-  <p:cSld>
-    <p:spTree>
-      <p:nvGrpSpPr>
-        <p:cNvPr id="1" name=""/>
-        <p:cNvGrpSpPr/>
-        <p:nvPr/>
-      </p:nvGrpSpPr>
-      <p:grpSpPr>
-        <a:xfrm>
-          <a:off x="0" y="0"/>
-          <a:ext cx="0" cy="0"/>
-          <a:chOff x="0" y="0"/>
-          <a:chExt cx="0" cy="0"/>
-        </a:xfrm>
-      </p:grpSpPr>
-      <p:sp>
-        <p:nvSpPr>
-          <p:cNvPr id="2" name="Заголовок 1"/>
-          <p:cNvSpPr>
-            <a:spLocks noGrp="1"/>
-          </p:cNvSpPr>
-          <p:nvPr>
-            <p:ph type="title"/>
-          </p:nvPr>
-        </p:nvSpPr>
-        <p:spPr/>
-        <p:txBody>
-          <a:bodyPr/>
-          <a:lstStyle/>
-          <a:p>
-            <a:r>
-              <a:rPr lang="ru-RU" dirty="0" smtClean="0"/>
-              <a:t>Заключение</a:t>
-            </a:r>
-            <a:endParaRPr lang="ru-RU" dirty="0"/>
-          </a:p>
-        </p:txBody>
-      </p:sp>
-      <p:sp>
-        <p:nvSpPr>
-          <p:cNvPr id="3" name="Объект 2"/>
-          <p:cNvSpPr>
-            <a:spLocks noGrp="1"/>
-          </p:cNvSpPr>
-          <p:nvPr>
-            <p:ph idx="1"/>
-          </p:nvPr>
-        </p:nvSpPr>
-        <p:spPr/>
-        <p:txBody>
-          <a:bodyPr/>
-          <a:lstStyle/>
-          <a:p>
-            <a:endParaRPr lang="ru-RU"/>
-          </a:p>
-        </p:txBody>
-      </p:sp>
-      <p:pic>
-        <p:nvPicPr>
-          <p:cNvPr id="4" name="Рисунок 3"/>
-          <p:cNvPicPr>
-            <a:picLocks noChangeAspect="1"/>
-          </p:cNvPicPr>
-          <p:nvPr/>
-        </p:nvPicPr>
-        <p:blipFill>
-          <a:blip r:embed="rId2">
-            <a:extLst>
-              <a:ext uri="{28A0092B-C50C-407E-A947-70E740481C1C}">
-                <a14:useLocalDpi xmlns:a14="http://schemas.microsoft.com/office/drawing/2010/main" val="0"/>
-              </a:ext>
-            </a:extLst>
-          </a:blip>
-          <a:stretch>
-            <a:fillRect/>
-          </a:stretch>
-        </p:blipFill>
-        <p:spPr>
-          <a:xfrm>
-            <a:off x="1912374" y="1374080"/>
-            <a:ext cx="8367252" cy="5490396"/>
-          </a:xfrm>
-          <a:prstGeom prst="rect">
-            <a:avLst/>
-          </a:prstGeom>
-        </p:spPr>
-      </p:pic>
-    </p:spTree>
-    <p:extLst>
-      <p:ext uri="{BB962C8B-B14F-4D97-AF65-F5344CB8AC3E}">
-        <p14:creationId xmlns:p14="http://schemas.microsoft.com/office/powerpoint/2010/main" val="1539667541"/>
-      </p:ext>
-    </p:extLst>
-  </p:cSld>
-  <p:clrMapOvr>
-    <a:masterClrMapping/>
-  </p:clrMapOvr>
-</p:sld>
-</file>
-
-<file path=ppt/slides/slide11.xml><?xml version="1.0" encoding="utf-8"?>
-<p:sld xmlns:a="http://schemas.openxmlformats.org/drawingml/2006/main" xmlns:r="http://schemas.openxmlformats.org/officeDocument/2006/relationships" xmlns:p="http://schemas.openxmlformats.org/presentationml/2006/main">
-  <p:cSld>
-    <p:spTree>
-      <p:nvGrpSpPr>
-        <p:cNvPr id="1" name=""/>
-        <p:cNvGrpSpPr/>
-        <p:nvPr/>
-      </p:nvGrpSpPr>
-      <p:grpSpPr>
-        <a:xfrm>
-          <a:off x="0" y="0"/>
-          <a:ext cx="0" cy="0"/>
-          <a:chOff x="0" y="0"/>
-          <a:chExt cx="0" cy="0"/>
-        </a:xfrm>
-      </p:grpSpPr>
-      <p:sp>
-        <p:nvSpPr>
-          <p:cNvPr id="2" name="Заголовок 1"/>
-          <p:cNvSpPr>
-            <a:spLocks noGrp="1"/>
-          </p:cNvSpPr>
-          <p:nvPr>
-            <p:ph type="title"/>
-          </p:nvPr>
-        </p:nvSpPr>
-        <p:spPr/>
-        <p:txBody>
-          <a:bodyPr/>
-          <a:lstStyle/>
-          <a:p>
-            <a:r>
-              <a:rPr lang="ru-RU" dirty="0" smtClean="0"/>
-              <a:t>Список литературы</a:t>
-            </a:r>
-            <a:endParaRPr lang="ru-RU" dirty="0"/>
-          </a:p>
-        </p:txBody>
-      </p:sp>
-      <p:sp>
-        <p:nvSpPr>
-          <p:cNvPr id="3" name="Объект 2"/>
-          <p:cNvSpPr>
-            <a:spLocks noGrp="1"/>
-          </p:cNvSpPr>
-          <p:nvPr>
-            <p:ph idx="1"/>
-          </p:nvPr>
-        </p:nvSpPr>
-        <p:spPr/>
-        <p:txBody>
-          <a:bodyPr/>
-          <a:lstStyle/>
-          <a:p>
-            <a:r>
-              <a:rPr lang="en-US" dirty="0" err="1">
-                <a:hlinkClick r:id="rId2"/>
-              </a:rPr>
-              <a:t>Metanit</a:t>
-            </a:r>
-            <a:endParaRPr lang="ru-RU" dirty="0"/>
-          </a:p>
-          <a:p>
-            <a:r>
-              <a:rPr lang="ru-RU" dirty="0">
-                <a:hlinkClick r:id="rId3"/>
-              </a:rPr>
-              <a:t>Документация по </a:t>
-            </a:r>
-            <a:r>
-              <a:rPr lang="en-US" dirty="0">
-                <a:hlinkClick r:id="rId3"/>
-              </a:rPr>
-              <a:t>C</a:t>
-            </a:r>
-            <a:r>
-              <a:rPr lang="ru-RU" dirty="0">
-                <a:hlinkClick r:id="rId3"/>
-              </a:rPr>
-              <a:t># и .</a:t>
-            </a:r>
-            <a:r>
-              <a:rPr lang="en-US" dirty="0">
-                <a:hlinkClick r:id="rId3"/>
-              </a:rPr>
-              <a:t>NET</a:t>
-            </a:r>
-            <a:endParaRPr lang="ru-RU" dirty="0"/>
-          </a:p>
-          <a:p>
-            <a:r>
-              <a:rPr lang="ru-RU" dirty="0"/>
-              <a:t>Форумы – </a:t>
-            </a:r>
-            <a:r>
-              <a:rPr lang="en-US" u="sng" dirty="0" err="1">
-                <a:hlinkClick r:id="rId4"/>
-              </a:rPr>
-              <a:t>StackOverflow</a:t>
-            </a:r>
-            <a:r>
-              <a:rPr lang="ru-RU" dirty="0"/>
-              <a:t> и </a:t>
-            </a:r>
-            <a:r>
-              <a:rPr lang="en-US" u="sng" dirty="0" err="1">
-                <a:hlinkClick r:id="rId5"/>
-              </a:rPr>
-              <a:t>Cyberforum</a:t>
-            </a:r>
-            <a:endParaRPr lang="ru-RU" dirty="0"/>
-          </a:p>
-          <a:p>
-            <a:r>
-              <a:rPr lang="ru-RU" dirty="0"/>
-              <a:t>Язык программирования C# 7 и платформы .NET и .NET </a:t>
-            </a:r>
-            <a:r>
-              <a:rPr lang="ru-RU" dirty="0" err="1"/>
-              <a:t>Core</a:t>
-            </a:r>
-            <a:r>
-              <a:rPr lang="ru-RU" dirty="0"/>
-              <a:t> - </a:t>
-            </a:r>
-            <a:r>
-              <a:rPr lang="ru-RU" dirty="0" err="1"/>
-              <a:t>Джепикс</a:t>
-            </a:r>
-            <a:r>
-              <a:rPr lang="ru-RU" dirty="0"/>
-              <a:t> Филипп, </a:t>
-            </a:r>
-            <a:r>
-              <a:rPr lang="ru-RU" dirty="0" err="1"/>
-              <a:t>Троелсен</a:t>
-            </a:r>
-            <a:r>
-              <a:rPr lang="ru-RU" dirty="0"/>
-              <a:t> Эндрю</a:t>
-            </a:r>
-          </a:p>
-          <a:p>
-            <a:endParaRPr lang="ru-RU" dirty="0"/>
-          </a:p>
-        </p:txBody>
-      </p:sp>
-    </p:spTree>
-    <p:extLst>
-      <p:ext uri="{BB962C8B-B14F-4D97-AF65-F5344CB8AC3E}">
-        <p14:creationId xmlns:p14="http://schemas.microsoft.com/office/powerpoint/2010/main" val="729306326"/>
-      </p:ext>
-    </p:extLst>
-  </p:cSld>
-  <p:clrMapOvr>
-    <a:masterClrMapping/>
-  </p:clrMapOvr>
-</p:sld>
-</file>
-
-<file path=ppt/slides/slide2.xml><?xml version="1.0" encoding="utf-8"?>
-<p:sld xmlns:a="http://schemas.openxmlformats.org/drawingml/2006/main" xmlns:r="http://schemas.openxmlformats.org/officeDocument/2006/relationships" xmlns:p="http://schemas.openxmlformats.org/presentationml/2006/main">
-  <p:cSld>
-    <p:spTree>
-      <p:nvGrpSpPr>
-        <p:cNvPr id="1" name=""/>
-        <p:cNvGrpSpPr/>
-        <p:nvPr/>
-      </p:nvGrpSpPr>
-      <p:grpSpPr>
-        <a:xfrm>
-          <a:off x="0" y="0"/>
-          <a:ext cx="0" cy="0"/>
-          <a:chOff x="0" y="0"/>
-          <a:chExt cx="0" cy="0"/>
-        </a:xfrm>
-      </p:grpSpPr>
-      <p:sp>
-        <p:nvSpPr>
-          <p:cNvPr id="2" name="Заголовок 1"/>
-          <p:cNvSpPr>
-            <a:spLocks noGrp="1"/>
-          </p:cNvSpPr>
-          <p:nvPr>
-            <p:ph type="title"/>
-          </p:nvPr>
-        </p:nvSpPr>
-        <p:spPr/>
-        <p:txBody>
-          <a:bodyPr/>
-          <a:lstStyle/>
-          <a:p>
-            <a:r>
-              <a:rPr lang="ru-RU" dirty="0" smtClean="0"/>
-              <a:t>Актуальность</a:t>
-            </a:r>
-            <a:endParaRPr lang="ru-RU" dirty="0"/>
-          </a:p>
-        </p:txBody>
-      </p:sp>
-      <p:sp>
-        <p:nvSpPr>
-          <p:cNvPr id="3" name="Объект 2"/>
-          <p:cNvSpPr>
-            <a:spLocks noGrp="1"/>
-          </p:cNvSpPr>
-          <p:nvPr>
-            <p:ph idx="1"/>
-          </p:nvPr>
-        </p:nvSpPr>
-        <p:spPr/>
-        <p:txBody>
-          <a:bodyPr/>
-          <a:lstStyle/>
-          <a:p>
-            <a:endParaRPr lang="ru-RU"/>
-          </a:p>
-        </p:txBody>
-      </p:sp>
-      <p:pic>
-        <p:nvPicPr>
-          <p:cNvPr id="4" name="Рисунок 3" descr="https://www.crn.ru/upload/iblock/425/yar6jul_idc.jpg"/>
-          <p:cNvPicPr/>
-          <p:nvPr/>
-        </p:nvPicPr>
-        <p:blipFill>
-          <a:blip r:embed="rId2">
-            <a:extLst>
-              <a:ext uri="{28A0092B-C50C-407E-A947-70E740481C1C}">
-                <a14:useLocalDpi xmlns:a14="http://schemas.microsoft.com/office/drawing/2010/main" val="0"/>
-              </a:ext>
-            </a:extLst>
-          </a:blip>
-          <a:srcRect/>
-          <a:stretch>
-            <a:fillRect/>
-          </a:stretch>
-        </p:blipFill>
-        <p:spPr bwMode="auto">
-          <a:xfrm>
-            <a:off x="1804658" y="1446798"/>
-            <a:ext cx="8588721" cy="5411202"/>
-          </a:xfrm>
-          <a:prstGeom prst="rect">
-            <a:avLst/>
-          </a:prstGeom>
-          <a:noFill/>
-          <a:ln>
-            <a:noFill/>
-          </a:ln>
-        </p:spPr>
-      </p:pic>
-    </p:spTree>
-    <p:extLst>
-      <p:ext uri="{BB962C8B-B14F-4D97-AF65-F5344CB8AC3E}">
-        <p14:creationId xmlns:p14="http://schemas.microsoft.com/office/powerpoint/2010/main" val="1571810882"/>
-      </p:ext>
-    </p:extLst>
-  </p:cSld>
-  <p:clrMapOvr>
-    <a:masterClrMapping/>
-  </p:clrMapOvr>
-</p:sld>
-</file>
-
-<file path=ppt/slides/slide3.xml><?xml version="1.0" encoding="utf-8"?>
-<p:sld xmlns:a="http://schemas.openxmlformats.org/drawingml/2006/main" xmlns:r="http://schemas.openxmlformats.org/officeDocument/2006/relationships" xmlns:p="http://schemas.openxmlformats.org/presentationml/2006/main">
-  <p:cSld>
-    <p:spTree>
-      <p:nvGrpSpPr>
-        <p:cNvPr id="1" name=""/>
-        <p:cNvGrpSpPr/>
-        <p:nvPr/>
-      </p:nvGrpSpPr>
-      <p:grpSpPr>
-        <a:xfrm>
-          <a:off x="0" y="0"/>
-          <a:ext cx="0" cy="0"/>
-          <a:chOff x="0" y="0"/>
-          <a:chExt cx="0" cy="0"/>
-        </a:xfrm>
-      </p:grpSpPr>
-      <p:sp>
-        <p:nvSpPr>
-          <p:cNvPr id="2" name="Заголовок 1"/>
-          <p:cNvSpPr>
-            <a:spLocks noGrp="1"/>
-          </p:cNvSpPr>
-          <p:nvPr>
-            <p:ph type="title"/>
-          </p:nvPr>
-        </p:nvSpPr>
-        <p:spPr/>
-        <p:txBody>
-          <a:bodyPr/>
-          <a:lstStyle/>
-          <a:p>
-            <a:r>
-              <a:rPr lang="ru-RU" dirty="0" smtClean="0"/>
-              <a:t>Цель и задачи</a:t>
-            </a:r>
-            <a:endParaRPr lang="ru-RU" dirty="0"/>
-          </a:p>
-        </p:txBody>
-      </p:sp>
-      <p:sp>
-        <p:nvSpPr>
-          <p:cNvPr id="3" name="Объект 2"/>
-          <p:cNvSpPr>
-            <a:spLocks noGrp="1"/>
-          </p:cNvSpPr>
-          <p:nvPr>
-            <p:ph idx="1"/>
-          </p:nvPr>
-        </p:nvSpPr>
-        <p:spPr/>
-        <p:txBody>
-          <a:bodyPr/>
-          <a:lstStyle/>
-          <a:p>
-            <a:pPr marL="0" indent="0">
-              <a:buNone/>
-            </a:pPr>
-            <a:r>
-              <a:rPr lang="ru-RU" dirty="0"/>
-              <a:t>Написать приложение для проведения распределённых вычислений с клиент-серверной </a:t>
-            </a:r>
-            <a:r>
-              <a:rPr lang="ru-RU" dirty="0" smtClean="0"/>
-              <a:t>архитектурой</a:t>
-            </a:r>
-          </a:p>
-          <a:p>
-            <a:pPr marL="0" indent="0">
-              <a:buNone/>
-            </a:pPr>
-            <a:endParaRPr lang="ru-RU" dirty="0"/>
-          </a:p>
-          <a:p>
-            <a:pPr lvl="0"/>
-            <a:r>
-              <a:rPr lang="ru-RU" dirty="0"/>
-              <a:t>Продумать структуру проекта</a:t>
-            </a:r>
-          </a:p>
-          <a:p>
-            <a:pPr lvl="0"/>
-            <a:r>
-              <a:rPr lang="ru-RU" dirty="0"/>
-              <a:t>Написать реализацию</a:t>
-            </a:r>
-          </a:p>
-          <a:p>
-            <a:pPr lvl="0"/>
-            <a:r>
-              <a:rPr lang="ru-RU" dirty="0"/>
-              <a:t>Отладить и исправить ошибки</a:t>
-            </a:r>
-          </a:p>
-          <a:p>
-            <a:endParaRPr lang="ru-RU" dirty="0"/>
-          </a:p>
-        </p:txBody>
-      </p:sp>
-    </p:spTree>
-    <p:extLst>
-      <p:ext uri="{BB962C8B-B14F-4D97-AF65-F5344CB8AC3E}">
-        <p14:creationId xmlns:p14="http://schemas.microsoft.com/office/powerpoint/2010/main" val="717234678"/>
-      </p:ext>
-    </p:extLst>
-  </p:cSld>
-  <p:clrMapOvr>
-    <a:masterClrMapping/>
-  </p:clrMapOvr>
-</p:sld>
-</file>
-
-<file path=ppt/slides/slide4.xml><?xml version="1.0" encoding="utf-8"?>
-<p:sld xmlns:a="http://schemas.openxmlformats.org/drawingml/2006/main" xmlns:r="http://schemas.openxmlformats.org/officeDocument/2006/relationships" xmlns:p="http://schemas.openxmlformats.org/presentationml/2006/main">
-  <p:cSld>
-    <p:spTree>
-      <p:nvGrpSpPr>
-        <p:cNvPr id="1" name=""/>
-        <p:cNvGrpSpPr/>
-        <p:nvPr/>
-      </p:nvGrpSpPr>
-      <p:grpSpPr>
-        <a:xfrm>
-          <a:off x="0" y="0"/>
-          <a:ext cx="0" cy="0"/>
-          <a:chOff x="0" y="0"/>
-          <a:chExt cx="0" cy="0"/>
-        </a:xfrm>
-      </p:grpSpPr>
-      <p:sp>
-        <p:nvSpPr>
-          <p:cNvPr id="2" name="Заголовок 1"/>
-          <p:cNvSpPr>
-            <a:spLocks noGrp="1"/>
-          </p:cNvSpPr>
-          <p:nvPr>
-            <p:ph type="title"/>
-          </p:nvPr>
-        </p:nvSpPr>
-        <p:spPr/>
-        <p:txBody>
-          <a:bodyPr/>
-          <a:lstStyle/>
-          <a:p>
-            <a:r>
-              <a:rPr lang="ru-RU" dirty="0" smtClean="0"/>
-              <a:t>Первая программа на PascalABC.NET</a:t>
-            </a:r>
-            <a:endParaRPr lang="ru-RU" dirty="0"/>
-          </a:p>
-        </p:txBody>
-      </p:sp>
-      <p:sp>
-        <p:nvSpPr>
-          <p:cNvPr id="3" name="Объект 2"/>
-          <p:cNvSpPr>
-            <a:spLocks noGrp="1"/>
-          </p:cNvSpPr>
-          <p:nvPr>
-            <p:ph idx="1"/>
-          </p:nvPr>
-        </p:nvSpPr>
-        <p:spPr/>
-        <p:txBody>
-          <a:bodyPr/>
-          <a:lstStyle/>
-          <a:p>
-            <a:endParaRPr lang="ru-RU"/>
-          </a:p>
-        </p:txBody>
-      </p:sp>
-      <p:pic>
-        <p:nvPicPr>
-          <p:cNvPr id="4" name="Picture 2"/>
-          <p:cNvPicPr>
-            <a:picLocks noChangeAspect="1"/>
-          </p:cNvPicPr>
-          <p:nvPr/>
-        </p:nvPicPr>
-        <p:blipFill>
-          <a:blip r:embed="rId2">
-            <a:clrChange>
-              <a:clrFrom>
-                <a:srgbClr val="FFFFFF"/>
-              </a:clrFrom>
-              <a:clrTo>
-                <a:srgbClr val="FFFFFF">
-                  <a:alpha val="0"/>
-                </a:srgbClr>
-              </a:clrTo>
-            </a:clrChange>
-            <a:duotone>
-              <a:schemeClr val="accent1">
-                <a:shade val="45000"/>
-                <a:satMod val="135000"/>
-              </a:schemeClr>
-              <a:prstClr val="white"/>
-            </a:duotone>
-          </a:blip>
-          <a:stretch/>
-        </p:blipFill>
-        <p:spPr bwMode="auto">
-          <a:xfrm>
-            <a:off x="1772137" y="1690687"/>
-            <a:ext cx="8647725" cy="5167313"/>
-          </a:xfrm>
-          <a:prstGeom prst="rect">
-            <a:avLst/>
-          </a:prstGeom>
-          <a:solidFill>
-            <a:schemeClr val="bg1"/>
-          </a:solidFill>
-          <a:ln>
-            <a:noFill/>
-          </a:ln>
-          <a:effectLst>
-            <a:glow>
-              <a:schemeClr val="accent1"/>
-            </a:glow>
-            <a:outerShdw sx="1000" sy="1000" algn="ctr" rotWithShape="0">
-              <a:schemeClr val="bg2"/>
-            </a:outerShdw>
-            <a:reflection endPos="0" dir="2100000" sy="-100000" algn="bl" rotWithShape="0"/>
-          </a:effectLst>
-        </p:spPr>
-      </p:pic>
-    </p:spTree>
-    <p:extLst>
-      <p:ext uri="{BB962C8B-B14F-4D97-AF65-F5344CB8AC3E}">
-        <p14:creationId xmlns:p14="http://schemas.microsoft.com/office/powerpoint/2010/main" val="2281005313"/>
-      </p:ext>
-    </p:extLst>
-  </p:cSld>
-  <p:clrMapOvr>
-    <a:masterClrMapping/>
-  </p:clrMapOvr>
-</p:sld>
-</file>
-
-<file path=ppt/slides/slide5.xml><?xml version="1.0" encoding="utf-8"?>
-<p:sld xmlns:a="http://schemas.openxmlformats.org/drawingml/2006/main" xmlns:r="http://schemas.openxmlformats.org/officeDocument/2006/relationships" xmlns:p="http://schemas.openxmlformats.org/presentationml/2006/main">
-  <p:cSld>
-    <p:spTree>
-      <p:nvGrpSpPr>
-        <p:cNvPr id="1" name=""/>
-        <p:cNvGrpSpPr/>
-        <p:nvPr/>
-      </p:nvGrpSpPr>
-      <p:grpSpPr>
-        <a:xfrm>
-          <a:off x="0" y="0"/>
-          <a:ext cx="0" cy="0"/>
-          <a:chOff x="0" y="0"/>
-          <a:chExt cx="0" cy="0"/>
-        </a:xfrm>
-      </p:grpSpPr>
-      <p:sp>
-        <p:nvSpPr>
-          <p:cNvPr id="2" name="Заголовок 1"/>
-          <p:cNvSpPr>
-            <a:spLocks noGrp="1"/>
-          </p:cNvSpPr>
-          <p:nvPr>
-            <p:ph type="title"/>
-          </p:nvPr>
-        </p:nvSpPr>
-        <p:spPr/>
-        <p:txBody>
-          <a:bodyPr/>
-          <a:lstStyle/>
-          <a:p>
-            <a:r>
-              <a:rPr lang="ru-RU" dirty="0" smtClean="0"/>
-              <a:t>Разрабатываемая версия</a:t>
-            </a:r>
-            <a:endParaRPr lang="ru-RU" dirty="0"/>
-          </a:p>
-        </p:txBody>
-      </p:sp>
-      <p:sp>
-        <p:nvSpPr>
-          <p:cNvPr id="3" name="Объект 2"/>
-          <p:cNvSpPr>
-            <a:spLocks noGrp="1"/>
-          </p:cNvSpPr>
-          <p:nvPr>
-            <p:ph idx="1"/>
-          </p:nvPr>
-        </p:nvSpPr>
-        <p:spPr/>
-        <p:txBody>
-          <a:bodyPr/>
-          <a:lstStyle/>
-          <a:p>
-            <a:r>
-              <a:rPr lang="ru-RU" dirty="0" smtClean="0"/>
-              <a:t>ООП</a:t>
-            </a:r>
-          </a:p>
-          <a:p>
-            <a:r>
-              <a:rPr lang="en-US" dirty="0" smtClean="0"/>
-              <a:t>Dependency injection</a:t>
-            </a:r>
-          </a:p>
-          <a:p>
-            <a:r>
-              <a:rPr lang="en-US" dirty="0" smtClean="0"/>
-              <a:t>MVVM, Factory</a:t>
-            </a:r>
-            <a:endParaRPr lang="ru-RU" dirty="0"/>
-          </a:p>
-        </p:txBody>
-      </p:sp>
-    </p:spTree>
-    <p:extLst>
-      <p:ext uri="{BB962C8B-B14F-4D97-AF65-F5344CB8AC3E}">
-        <p14:creationId xmlns:p14="http://schemas.microsoft.com/office/powerpoint/2010/main" val="3787781005"/>
-      </p:ext>
-    </p:extLst>
-  </p:cSld>
-  <p:clrMapOvr>
-    <a:masterClrMapping/>
-  </p:clrMapOvr>
-</p:sld>
-</file>
-
-<file path=ppt/slides/slide6.xml><?xml version="1.0" encoding="utf-8"?>
-<p:sld xmlns:a="http://schemas.openxmlformats.org/drawingml/2006/main" xmlns:r="http://schemas.openxmlformats.org/officeDocument/2006/relationships" xmlns:p="http://schemas.openxmlformats.org/presentationml/2006/main">
-  <p:cSld>
-    <p:spTree>
-      <p:nvGrpSpPr>
-        <p:cNvPr id="1" name=""/>
-        <p:cNvGrpSpPr/>
-        <p:nvPr/>
-      </p:nvGrpSpPr>
-      <p:grpSpPr>
-        <a:xfrm>
-          <a:off x="0" y="0"/>
-          <a:ext cx="0" cy="0"/>
-          <a:chOff x="0" y="0"/>
-          <a:chExt cx="0" cy="0"/>
-        </a:xfrm>
-      </p:grpSpPr>
-      <p:sp>
-        <p:nvSpPr>
-          <p:cNvPr id="2" name="Заголовок 1"/>
-          <p:cNvSpPr>
-            <a:spLocks noGrp="1"/>
-          </p:cNvSpPr>
-          <p:nvPr>
-            <p:ph type="title"/>
-          </p:nvPr>
-        </p:nvSpPr>
-        <p:spPr/>
-        <p:txBody>
-          <a:bodyPr/>
-          <a:lstStyle/>
-          <a:p>
-            <a:r>
-              <a:rPr lang="en-US" dirty="0" smtClean="0"/>
-              <a:t>GitHub Projects</a:t>
-            </a:r>
-            <a:endParaRPr lang="ru-RU" dirty="0"/>
-          </a:p>
-        </p:txBody>
-      </p:sp>
-      <p:sp>
-        <p:nvSpPr>
-          <p:cNvPr id="3" name="Объект 2"/>
-          <p:cNvSpPr>
-            <a:spLocks noGrp="1"/>
-          </p:cNvSpPr>
-          <p:nvPr>
-            <p:ph idx="1"/>
-          </p:nvPr>
-        </p:nvSpPr>
-        <p:spPr/>
-        <p:txBody>
-          <a:bodyPr/>
-          <a:lstStyle/>
-          <a:p>
-            <a:endParaRPr lang="ru-RU"/>
-          </a:p>
-        </p:txBody>
-      </p:sp>
-      <p:pic>
-        <p:nvPicPr>
-          <p:cNvPr id="4" name="Рисунок 3"/>
-          <p:cNvPicPr>
-            <a:picLocks noChangeAspect="1"/>
-          </p:cNvPicPr>
-          <p:nvPr/>
-        </p:nvPicPr>
-        <p:blipFill>
-          <a:blip r:embed="rId2"/>
-          <a:stretch>
-            <a:fillRect/>
-          </a:stretch>
-        </p:blipFill>
-        <p:spPr>
-          <a:xfrm>
-            <a:off x="845574" y="1899981"/>
-            <a:ext cx="10500852" cy="4958019"/>
-          </a:xfrm>
-          <a:prstGeom prst="rect">
-            <a:avLst/>
-          </a:prstGeom>
-        </p:spPr>
-      </p:pic>
-    </p:spTree>
-    <p:extLst>
-      <p:ext uri="{BB962C8B-B14F-4D97-AF65-F5344CB8AC3E}">
-        <p14:creationId xmlns:p14="http://schemas.microsoft.com/office/powerpoint/2010/main" val="3881645675"/>
-      </p:ext>
-    </p:extLst>
-  </p:cSld>
-  <p:clrMapOvr>
-    <a:masterClrMapping/>
-  </p:clrMapOvr>
-</p:sld>
-</file>
-
-<file path=ppt/slides/slide7.xml><?xml version="1.0" encoding="utf-8"?>
 <p:sld xmlns:a="http://schemas.openxmlformats.org/drawingml/2006/main" xmlns:r="http://schemas.openxmlformats.org/officeDocument/2006/relationships" xmlns:p="http://schemas.openxmlformats.org/presentationml/2006/main">
   <p:cSld>
     <p:spTree>
@@ -3935,10 +3159,17 @@
   <p:clrMapOvr>
     <a:masterClrMapping/>
   </p:clrMapOvr>
+  <p:timing>
+    <p:tnLst>
+      <p:par>
+        <p:cTn id="1" dur="indefinite" restart="never" nodeType="tmRoot"/>
+      </p:par>
+    </p:tnLst>
+  </p:timing>
 </p:sld>
 </file>
 
-<file path=ppt/slides/slide8.xml><?xml version="1.0" encoding="utf-8"?>
+<file path=ppt/slides/slide11.xml><?xml version="1.0" encoding="utf-8"?>
 <p:sld xmlns:a="http://schemas.openxmlformats.org/drawingml/2006/main" xmlns:r="http://schemas.openxmlformats.org/officeDocument/2006/relationships" xmlns:p="http://schemas.openxmlformats.org/presentationml/2006/main">
   <p:cSld>
     <p:spTree>
@@ -4061,10 +3292,17 @@
   <p:clrMapOvr>
     <a:masterClrMapping/>
   </p:clrMapOvr>
+  <p:timing>
+    <p:tnLst>
+      <p:par>
+        <p:cTn id="1" dur="indefinite" restart="never" nodeType="tmRoot"/>
+      </p:par>
+    </p:tnLst>
+  </p:timing>
 </p:sld>
 </file>
 
-<file path=ppt/slides/slide9.xml><?xml version="1.0" encoding="utf-8"?>
+<file path=ppt/slides/slide12.xml><?xml version="1.0" encoding="utf-8"?>
 <p:sld xmlns:a="http://schemas.openxmlformats.org/drawingml/2006/main" xmlns:r="http://schemas.openxmlformats.org/officeDocument/2006/relationships" xmlns:p="http://schemas.openxmlformats.org/presentationml/2006/main">
   <p:cSld>
     <p:spTree>
@@ -4203,6 +3441,1157 @@
   <p:clrMapOvr>
     <a:masterClrMapping/>
   </p:clrMapOvr>
+</p:sld>
+</file>
+
+<file path=ppt/slides/slide13.xml><?xml version="1.0" encoding="utf-8"?>
+<p:sld xmlns:a="http://schemas.openxmlformats.org/drawingml/2006/main" xmlns:r="http://schemas.openxmlformats.org/officeDocument/2006/relationships" xmlns:p="http://schemas.openxmlformats.org/presentationml/2006/main">
+  <p:cSld>
+    <p:spTree>
+      <p:nvGrpSpPr>
+        <p:cNvPr id="1" name=""/>
+        <p:cNvGrpSpPr/>
+        <p:nvPr/>
+      </p:nvGrpSpPr>
+      <p:grpSpPr>
+        <a:xfrm>
+          <a:off x="0" y="0"/>
+          <a:ext cx="0" cy="0"/>
+          <a:chOff x="0" y="0"/>
+          <a:chExt cx="0" cy="0"/>
+        </a:xfrm>
+      </p:grpSpPr>
+      <p:sp>
+        <p:nvSpPr>
+          <p:cNvPr id="2" name="Заголовок 1"/>
+          <p:cNvSpPr>
+            <a:spLocks noGrp="1"/>
+          </p:cNvSpPr>
+          <p:nvPr>
+            <p:ph type="title"/>
+          </p:nvPr>
+        </p:nvSpPr>
+        <p:spPr/>
+        <p:txBody>
+          <a:bodyPr/>
+          <a:lstStyle/>
+          <a:p>
+            <a:r>
+              <a:rPr lang="ru-RU" dirty="0" smtClean="0"/>
+              <a:t>Заключение</a:t>
+            </a:r>
+            <a:endParaRPr lang="ru-RU" dirty="0"/>
+          </a:p>
+        </p:txBody>
+      </p:sp>
+      <p:sp>
+        <p:nvSpPr>
+          <p:cNvPr id="3" name="Объект 2"/>
+          <p:cNvSpPr>
+            <a:spLocks noGrp="1"/>
+          </p:cNvSpPr>
+          <p:nvPr>
+            <p:ph idx="1"/>
+          </p:nvPr>
+        </p:nvSpPr>
+        <p:spPr/>
+        <p:txBody>
+          <a:bodyPr/>
+          <a:lstStyle/>
+          <a:p>
+            <a:endParaRPr lang="ru-RU"/>
+          </a:p>
+        </p:txBody>
+      </p:sp>
+      <p:pic>
+        <p:nvPicPr>
+          <p:cNvPr id="4" name="Рисунок 3"/>
+          <p:cNvPicPr>
+            <a:picLocks noChangeAspect="1"/>
+          </p:cNvPicPr>
+          <p:nvPr/>
+        </p:nvPicPr>
+        <p:blipFill>
+          <a:blip r:embed="rId2">
+            <a:extLst>
+              <a:ext uri="{28A0092B-C50C-407E-A947-70E740481C1C}">
+                <a14:useLocalDpi xmlns:a14="http://schemas.microsoft.com/office/drawing/2010/main" val="0"/>
+              </a:ext>
+            </a:extLst>
+          </a:blip>
+          <a:stretch>
+            <a:fillRect/>
+          </a:stretch>
+        </p:blipFill>
+        <p:spPr>
+          <a:xfrm>
+            <a:off x="1912374" y="1374080"/>
+            <a:ext cx="8367252" cy="5490396"/>
+          </a:xfrm>
+          <a:prstGeom prst="rect">
+            <a:avLst/>
+          </a:prstGeom>
+        </p:spPr>
+      </p:pic>
+    </p:spTree>
+    <p:extLst>
+      <p:ext uri="{BB962C8B-B14F-4D97-AF65-F5344CB8AC3E}">
+        <p14:creationId xmlns:p14="http://schemas.microsoft.com/office/powerpoint/2010/main" val="1539667541"/>
+      </p:ext>
+    </p:extLst>
+  </p:cSld>
+  <p:clrMapOvr>
+    <a:masterClrMapping/>
+  </p:clrMapOvr>
+</p:sld>
+</file>
+
+<file path=ppt/slides/slide14.xml><?xml version="1.0" encoding="utf-8"?>
+<p:sld xmlns:a="http://schemas.openxmlformats.org/drawingml/2006/main" xmlns:r="http://schemas.openxmlformats.org/officeDocument/2006/relationships" xmlns:p="http://schemas.openxmlformats.org/presentationml/2006/main">
+  <p:cSld>
+    <p:spTree>
+      <p:nvGrpSpPr>
+        <p:cNvPr id="1" name=""/>
+        <p:cNvGrpSpPr/>
+        <p:nvPr/>
+      </p:nvGrpSpPr>
+      <p:grpSpPr>
+        <a:xfrm>
+          <a:off x="0" y="0"/>
+          <a:ext cx="0" cy="0"/>
+          <a:chOff x="0" y="0"/>
+          <a:chExt cx="0" cy="0"/>
+        </a:xfrm>
+      </p:grpSpPr>
+      <p:sp>
+        <p:nvSpPr>
+          <p:cNvPr id="2" name="Заголовок 1"/>
+          <p:cNvSpPr>
+            <a:spLocks noGrp="1"/>
+          </p:cNvSpPr>
+          <p:nvPr>
+            <p:ph type="title"/>
+          </p:nvPr>
+        </p:nvSpPr>
+        <p:spPr/>
+        <p:txBody>
+          <a:bodyPr/>
+          <a:lstStyle/>
+          <a:p>
+            <a:r>
+              <a:rPr lang="ru-RU" dirty="0" smtClean="0"/>
+              <a:t>Список литературы</a:t>
+            </a:r>
+            <a:endParaRPr lang="ru-RU" dirty="0"/>
+          </a:p>
+        </p:txBody>
+      </p:sp>
+      <p:sp>
+        <p:nvSpPr>
+          <p:cNvPr id="3" name="Объект 2"/>
+          <p:cNvSpPr>
+            <a:spLocks noGrp="1"/>
+          </p:cNvSpPr>
+          <p:nvPr>
+            <p:ph idx="1"/>
+          </p:nvPr>
+        </p:nvSpPr>
+        <p:spPr/>
+        <p:txBody>
+          <a:bodyPr/>
+          <a:lstStyle/>
+          <a:p>
+            <a:r>
+              <a:rPr lang="en-US" dirty="0" err="1">
+                <a:hlinkClick r:id="rId2"/>
+              </a:rPr>
+              <a:t>Metanit</a:t>
+            </a:r>
+            <a:endParaRPr lang="ru-RU" dirty="0"/>
+          </a:p>
+          <a:p>
+            <a:r>
+              <a:rPr lang="ru-RU" dirty="0">
+                <a:hlinkClick r:id="rId3"/>
+              </a:rPr>
+              <a:t>Документация по </a:t>
+            </a:r>
+            <a:r>
+              <a:rPr lang="en-US" dirty="0">
+                <a:hlinkClick r:id="rId3"/>
+              </a:rPr>
+              <a:t>C</a:t>
+            </a:r>
+            <a:r>
+              <a:rPr lang="ru-RU" dirty="0">
+                <a:hlinkClick r:id="rId3"/>
+              </a:rPr>
+              <a:t># и .</a:t>
+            </a:r>
+            <a:r>
+              <a:rPr lang="en-US" dirty="0">
+                <a:hlinkClick r:id="rId3"/>
+              </a:rPr>
+              <a:t>NET</a:t>
+            </a:r>
+            <a:endParaRPr lang="ru-RU" dirty="0"/>
+          </a:p>
+          <a:p>
+            <a:r>
+              <a:rPr lang="ru-RU" dirty="0"/>
+              <a:t>Форумы – </a:t>
+            </a:r>
+            <a:r>
+              <a:rPr lang="en-US" u="sng" dirty="0" err="1">
+                <a:hlinkClick r:id="rId4"/>
+              </a:rPr>
+              <a:t>StackOverflow</a:t>
+            </a:r>
+            <a:r>
+              <a:rPr lang="ru-RU" dirty="0"/>
+              <a:t> и </a:t>
+            </a:r>
+            <a:r>
+              <a:rPr lang="en-US" u="sng" dirty="0" err="1">
+                <a:hlinkClick r:id="rId5"/>
+              </a:rPr>
+              <a:t>Cyberforum</a:t>
+            </a:r>
+            <a:endParaRPr lang="ru-RU" dirty="0"/>
+          </a:p>
+          <a:p>
+            <a:r>
+              <a:rPr lang="ru-RU" dirty="0"/>
+              <a:t>Язык программирования C# 7 и платформы .NET и .NET </a:t>
+            </a:r>
+            <a:r>
+              <a:rPr lang="ru-RU" dirty="0" err="1"/>
+              <a:t>Core</a:t>
+            </a:r>
+            <a:r>
+              <a:rPr lang="ru-RU" dirty="0"/>
+              <a:t> - </a:t>
+            </a:r>
+            <a:r>
+              <a:rPr lang="ru-RU" dirty="0" err="1"/>
+              <a:t>Джепикс</a:t>
+            </a:r>
+            <a:r>
+              <a:rPr lang="ru-RU" dirty="0"/>
+              <a:t> Филипп, </a:t>
+            </a:r>
+            <a:r>
+              <a:rPr lang="ru-RU" dirty="0" err="1"/>
+              <a:t>Троелсен</a:t>
+            </a:r>
+            <a:r>
+              <a:rPr lang="ru-RU" dirty="0"/>
+              <a:t> Эндрю</a:t>
+            </a:r>
+          </a:p>
+          <a:p>
+            <a:endParaRPr lang="ru-RU" dirty="0"/>
+          </a:p>
+        </p:txBody>
+      </p:sp>
+    </p:spTree>
+    <p:extLst>
+      <p:ext uri="{BB962C8B-B14F-4D97-AF65-F5344CB8AC3E}">
+        <p14:creationId xmlns:p14="http://schemas.microsoft.com/office/powerpoint/2010/main" val="729306326"/>
+      </p:ext>
+    </p:extLst>
+  </p:cSld>
+  <p:clrMapOvr>
+    <a:masterClrMapping/>
+  </p:clrMapOvr>
+</p:sld>
+</file>
+
+<file path=ppt/slides/slide2.xml><?xml version="1.0" encoding="utf-8"?>
+<p:sld xmlns:a="http://schemas.openxmlformats.org/drawingml/2006/main" xmlns:r="http://schemas.openxmlformats.org/officeDocument/2006/relationships" xmlns:p="http://schemas.openxmlformats.org/presentationml/2006/main">
+  <p:cSld>
+    <p:spTree>
+      <p:nvGrpSpPr>
+        <p:cNvPr id="1" name=""/>
+        <p:cNvGrpSpPr/>
+        <p:nvPr/>
+      </p:nvGrpSpPr>
+      <p:grpSpPr>
+        <a:xfrm>
+          <a:off x="0" y="0"/>
+          <a:ext cx="0" cy="0"/>
+          <a:chOff x="0" y="0"/>
+          <a:chExt cx="0" cy="0"/>
+        </a:xfrm>
+      </p:grpSpPr>
+      <p:sp>
+        <p:nvSpPr>
+          <p:cNvPr id="2" name="Заголовок 1"/>
+          <p:cNvSpPr>
+            <a:spLocks noGrp="1"/>
+          </p:cNvSpPr>
+          <p:nvPr>
+            <p:ph type="title"/>
+          </p:nvPr>
+        </p:nvSpPr>
+        <p:spPr/>
+        <p:txBody>
+          <a:bodyPr/>
+          <a:lstStyle/>
+          <a:p>
+            <a:r>
+              <a:rPr lang="ru-RU" dirty="0" smtClean="0"/>
+              <a:t>Актуальность</a:t>
+            </a:r>
+            <a:endParaRPr lang="ru-RU" dirty="0"/>
+          </a:p>
+        </p:txBody>
+      </p:sp>
+      <p:sp>
+        <p:nvSpPr>
+          <p:cNvPr id="3" name="Объект 2"/>
+          <p:cNvSpPr>
+            <a:spLocks noGrp="1"/>
+          </p:cNvSpPr>
+          <p:nvPr>
+            <p:ph idx="1"/>
+          </p:nvPr>
+        </p:nvSpPr>
+        <p:spPr/>
+        <p:txBody>
+          <a:bodyPr/>
+          <a:lstStyle/>
+          <a:p>
+            <a:endParaRPr lang="ru-RU"/>
+          </a:p>
+        </p:txBody>
+      </p:sp>
+      <p:pic>
+        <p:nvPicPr>
+          <p:cNvPr id="4" name="Рисунок 3" descr="https://www.crn.ru/upload/iblock/425/yar6jul_idc.jpg"/>
+          <p:cNvPicPr/>
+          <p:nvPr/>
+        </p:nvPicPr>
+        <p:blipFill>
+          <a:blip r:embed="rId2">
+            <a:extLst>
+              <a:ext uri="{28A0092B-C50C-407E-A947-70E740481C1C}">
+                <a14:useLocalDpi xmlns:a14="http://schemas.microsoft.com/office/drawing/2010/main" val="0"/>
+              </a:ext>
+            </a:extLst>
+          </a:blip>
+          <a:srcRect/>
+          <a:stretch>
+            <a:fillRect/>
+          </a:stretch>
+        </p:blipFill>
+        <p:spPr bwMode="auto">
+          <a:xfrm>
+            <a:off x="1804658" y="1446798"/>
+            <a:ext cx="8588721" cy="5411202"/>
+          </a:xfrm>
+          <a:prstGeom prst="rect">
+            <a:avLst/>
+          </a:prstGeom>
+          <a:noFill/>
+          <a:ln>
+            <a:noFill/>
+          </a:ln>
+        </p:spPr>
+      </p:pic>
+    </p:spTree>
+    <p:extLst>
+      <p:ext uri="{BB962C8B-B14F-4D97-AF65-F5344CB8AC3E}">
+        <p14:creationId xmlns:p14="http://schemas.microsoft.com/office/powerpoint/2010/main" val="1571810882"/>
+      </p:ext>
+    </p:extLst>
+  </p:cSld>
+  <p:clrMapOvr>
+    <a:masterClrMapping/>
+  </p:clrMapOvr>
+</p:sld>
+</file>
+
+<file path=ppt/slides/slide3.xml><?xml version="1.0" encoding="utf-8"?>
+<p:sld xmlns:a="http://schemas.openxmlformats.org/drawingml/2006/main" xmlns:r="http://schemas.openxmlformats.org/officeDocument/2006/relationships" xmlns:p="http://schemas.openxmlformats.org/presentationml/2006/main">
+  <p:cSld>
+    <p:spTree>
+      <p:nvGrpSpPr>
+        <p:cNvPr id="1" name=""/>
+        <p:cNvGrpSpPr/>
+        <p:nvPr/>
+      </p:nvGrpSpPr>
+      <p:grpSpPr>
+        <a:xfrm>
+          <a:off x="0" y="0"/>
+          <a:ext cx="0" cy="0"/>
+          <a:chOff x="0" y="0"/>
+          <a:chExt cx="0" cy="0"/>
+        </a:xfrm>
+      </p:grpSpPr>
+      <p:sp>
+        <p:nvSpPr>
+          <p:cNvPr id="2" name="Заголовок 1"/>
+          <p:cNvSpPr>
+            <a:spLocks noGrp="1"/>
+          </p:cNvSpPr>
+          <p:nvPr>
+            <p:ph type="title"/>
+          </p:nvPr>
+        </p:nvSpPr>
+        <p:spPr/>
+        <p:txBody>
+          <a:bodyPr/>
+          <a:lstStyle/>
+          <a:p>
+            <a:r>
+              <a:rPr lang="ru-RU" dirty="0" smtClean="0"/>
+              <a:t>Цель и задачи</a:t>
+            </a:r>
+            <a:endParaRPr lang="ru-RU" dirty="0"/>
+          </a:p>
+        </p:txBody>
+      </p:sp>
+      <p:sp>
+        <p:nvSpPr>
+          <p:cNvPr id="3" name="Объект 2"/>
+          <p:cNvSpPr>
+            <a:spLocks noGrp="1"/>
+          </p:cNvSpPr>
+          <p:nvPr>
+            <p:ph idx="1"/>
+          </p:nvPr>
+        </p:nvSpPr>
+        <p:spPr/>
+        <p:txBody>
+          <a:bodyPr/>
+          <a:lstStyle/>
+          <a:p>
+            <a:pPr marL="0" indent="0">
+              <a:buNone/>
+            </a:pPr>
+            <a:r>
+              <a:rPr lang="ru-RU" dirty="0"/>
+              <a:t>Написать приложение для проведения распределённых вычислений с клиент-серверной </a:t>
+            </a:r>
+            <a:r>
+              <a:rPr lang="ru-RU" dirty="0" smtClean="0"/>
+              <a:t>архитектурой</a:t>
+            </a:r>
+          </a:p>
+          <a:p>
+            <a:pPr marL="0" indent="0">
+              <a:buNone/>
+            </a:pPr>
+            <a:endParaRPr lang="ru-RU" dirty="0"/>
+          </a:p>
+          <a:p>
+            <a:pPr lvl="0"/>
+            <a:r>
+              <a:rPr lang="ru-RU" dirty="0"/>
+              <a:t>Продумать структуру проекта</a:t>
+            </a:r>
+          </a:p>
+          <a:p>
+            <a:pPr lvl="0"/>
+            <a:r>
+              <a:rPr lang="ru-RU" dirty="0"/>
+              <a:t>Написать реализацию</a:t>
+            </a:r>
+          </a:p>
+          <a:p>
+            <a:pPr lvl="0"/>
+            <a:r>
+              <a:rPr lang="ru-RU" dirty="0"/>
+              <a:t>Отладить и исправить ошибки</a:t>
+            </a:r>
+          </a:p>
+          <a:p>
+            <a:endParaRPr lang="ru-RU" dirty="0"/>
+          </a:p>
+        </p:txBody>
+      </p:sp>
+    </p:spTree>
+    <p:extLst>
+      <p:ext uri="{BB962C8B-B14F-4D97-AF65-F5344CB8AC3E}">
+        <p14:creationId xmlns:p14="http://schemas.microsoft.com/office/powerpoint/2010/main" val="717234678"/>
+      </p:ext>
+    </p:extLst>
+  </p:cSld>
+  <p:clrMapOvr>
+    <a:masterClrMapping/>
+  </p:clrMapOvr>
+</p:sld>
+</file>
+
+<file path=ppt/slides/slide4.xml><?xml version="1.0" encoding="utf-8"?>
+<p:sld xmlns:a="http://schemas.openxmlformats.org/drawingml/2006/main" xmlns:r="http://schemas.openxmlformats.org/officeDocument/2006/relationships" xmlns:p="http://schemas.openxmlformats.org/presentationml/2006/main">
+  <p:cSld>
+    <p:spTree>
+      <p:nvGrpSpPr>
+        <p:cNvPr id="1" name=""/>
+        <p:cNvGrpSpPr/>
+        <p:nvPr/>
+      </p:nvGrpSpPr>
+      <p:grpSpPr>
+        <a:xfrm>
+          <a:off x="0" y="0"/>
+          <a:ext cx="0" cy="0"/>
+          <a:chOff x="0" y="0"/>
+          <a:chExt cx="0" cy="0"/>
+        </a:xfrm>
+      </p:grpSpPr>
+      <p:sp>
+        <p:nvSpPr>
+          <p:cNvPr id="2" name="Заголовок 1"/>
+          <p:cNvSpPr>
+            <a:spLocks noGrp="1"/>
+          </p:cNvSpPr>
+          <p:nvPr>
+            <p:ph type="title"/>
+          </p:nvPr>
+        </p:nvSpPr>
+        <p:spPr/>
+        <p:txBody>
+          <a:bodyPr/>
+          <a:lstStyle/>
+          <a:p>
+            <a:r>
+              <a:rPr lang="ru-RU" dirty="0" smtClean="0"/>
+              <a:t>Первая программа на PascalABC.NET</a:t>
+            </a:r>
+            <a:endParaRPr lang="ru-RU" dirty="0"/>
+          </a:p>
+        </p:txBody>
+      </p:sp>
+      <p:sp>
+        <p:nvSpPr>
+          <p:cNvPr id="3" name="Объект 2"/>
+          <p:cNvSpPr>
+            <a:spLocks noGrp="1"/>
+          </p:cNvSpPr>
+          <p:nvPr>
+            <p:ph idx="1"/>
+          </p:nvPr>
+        </p:nvSpPr>
+        <p:spPr/>
+        <p:txBody>
+          <a:bodyPr/>
+          <a:lstStyle/>
+          <a:p>
+            <a:endParaRPr lang="ru-RU"/>
+          </a:p>
+        </p:txBody>
+      </p:sp>
+      <p:pic>
+        <p:nvPicPr>
+          <p:cNvPr id="4" name="Picture 2"/>
+          <p:cNvPicPr>
+            <a:picLocks noChangeAspect="1"/>
+          </p:cNvPicPr>
+          <p:nvPr/>
+        </p:nvPicPr>
+        <p:blipFill>
+          <a:blip r:embed="rId2">
+            <a:clrChange>
+              <a:clrFrom>
+                <a:srgbClr val="FFFFFF"/>
+              </a:clrFrom>
+              <a:clrTo>
+                <a:srgbClr val="FFFFFF">
+                  <a:alpha val="0"/>
+                </a:srgbClr>
+              </a:clrTo>
+            </a:clrChange>
+            <a:duotone>
+              <a:schemeClr val="accent1">
+                <a:shade val="45000"/>
+                <a:satMod val="135000"/>
+              </a:schemeClr>
+              <a:prstClr val="white"/>
+            </a:duotone>
+          </a:blip>
+          <a:stretch/>
+        </p:blipFill>
+        <p:spPr bwMode="auto">
+          <a:xfrm>
+            <a:off x="1772137" y="1690687"/>
+            <a:ext cx="8647725" cy="5167313"/>
+          </a:xfrm>
+          <a:prstGeom prst="rect">
+            <a:avLst/>
+          </a:prstGeom>
+          <a:solidFill>
+            <a:schemeClr val="bg1"/>
+          </a:solidFill>
+          <a:ln>
+            <a:noFill/>
+          </a:ln>
+          <a:effectLst>
+            <a:glow>
+              <a:schemeClr val="accent1"/>
+            </a:glow>
+            <a:outerShdw sx="1000" sy="1000" algn="ctr" rotWithShape="0">
+              <a:schemeClr val="bg2"/>
+            </a:outerShdw>
+            <a:reflection endPos="0" dir="2100000" sy="-100000" algn="bl" rotWithShape="0"/>
+          </a:effectLst>
+        </p:spPr>
+      </p:pic>
+    </p:spTree>
+    <p:extLst>
+      <p:ext uri="{BB962C8B-B14F-4D97-AF65-F5344CB8AC3E}">
+        <p14:creationId xmlns:p14="http://schemas.microsoft.com/office/powerpoint/2010/main" val="2281005313"/>
+      </p:ext>
+    </p:extLst>
+  </p:cSld>
+  <p:clrMapOvr>
+    <a:masterClrMapping/>
+  </p:clrMapOvr>
+  <p:timing>
+    <p:tnLst>
+      <p:par>
+        <p:cTn id="1" dur="indefinite" restart="never" nodeType="tmRoot"/>
+      </p:par>
+    </p:tnLst>
+  </p:timing>
+</p:sld>
+</file>
+
+<file path=ppt/slides/slide5.xml><?xml version="1.0" encoding="utf-8"?>
+<p:sld xmlns:a="http://schemas.openxmlformats.org/drawingml/2006/main" xmlns:r="http://schemas.openxmlformats.org/officeDocument/2006/relationships" xmlns:p="http://schemas.openxmlformats.org/presentationml/2006/main">
+  <p:cSld>
+    <p:spTree>
+      <p:nvGrpSpPr>
+        <p:cNvPr id="1" name=""/>
+        <p:cNvGrpSpPr/>
+        <p:nvPr/>
+      </p:nvGrpSpPr>
+      <p:grpSpPr>
+        <a:xfrm>
+          <a:off x="0" y="0"/>
+          <a:ext cx="0" cy="0"/>
+          <a:chOff x="0" y="0"/>
+          <a:chExt cx="0" cy="0"/>
+        </a:xfrm>
+      </p:grpSpPr>
+      <p:sp>
+        <p:nvSpPr>
+          <p:cNvPr id="2" name="Заголовок 1"/>
+          <p:cNvSpPr>
+            <a:spLocks noGrp="1"/>
+          </p:cNvSpPr>
+          <p:nvPr>
+            <p:ph type="title"/>
+          </p:nvPr>
+        </p:nvSpPr>
+        <p:spPr/>
+        <p:txBody>
+          <a:bodyPr/>
+          <a:lstStyle/>
+          <a:p>
+            <a:r>
+              <a:rPr lang="ru-RU" dirty="0" smtClean="0"/>
+              <a:t>Разрабатываемая версия</a:t>
+            </a:r>
+            <a:endParaRPr lang="ru-RU" dirty="0"/>
+          </a:p>
+        </p:txBody>
+      </p:sp>
+      <p:sp>
+        <p:nvSpPr>
+          <p:cNvPr id="3" name="Объект 2"/>
+          <p:cNvSpPr>
+            <a:spLocks noGrp="1"/>
+          </p:cNvSpPr>
+          <p:nvPr>
+            <p:ph idx="1"/>
+          </p:nvPr>
+        </p:nvSpPr>
+        <p:spPr/>
+        <p:txBody>
+          <a:bodyPr/>
+          <a:lstStyle/>
+          <a:p>
+            <a:r>
+              <a:rPr lang="ru-RU" dirty="0" smtClean="0"/>
+              <a:t>ООП</a:t>
+            </a:r>
+          </a:p>
+          <a:p>
+            <a:r>
+              <a:rPr lang="en-US" dirty="0" smtClean="0"/>
+              <a:t>Dependency injection</a:t>
+            </a:r>
+          </a:p>
+          <a:p>
+            <a:r>
+              <a:rPr lang="en-US" dirty="0" smtClean="0"/>
+              <a:t>MVVM, </a:t>
+            </a:r>
+            <a:r>
+              <a:rPr lang="en-US" dirty="0" smtClean="0"/>
+              <a:t>Factory</a:t>
+            </a:r>
+          </a:p>
+          <a:p>
+            <a:r>
+              <a:rPr lang="ru-RU" dirty="0" err="1" smtClean="0"/>
+              <a:t>Логирование</a:t>
+            </a:r>
+            <a:endParaRPr lang="ru-RU" dirty="0"/>
+          </a:p>
+        </p:txBody>
+      </p:sp>
+    </p:spTree>
+    <p:extLst>
+      <p:ext uri="{BB962C8B-B14F-4D97-AF65-F5344CB8AC3E}">
+        <p14:creationId xmlns:p14="http://schemas.microsoft.com/office/powerpoint/2010/main" val="3787781005"/>
+      </p:ext>
+    </p:extLst>
+  </p:cSld>
+  <p:clrMapOvr>
+    <a:masterClrMapping/>
+  </p:clrMapOvr>
+  <p:timing>
+    <p:tnLst>
+      <p:par>
+        <p:cTn id="1" dur="indefinite" restart="never" nodeType="tmRoot"/>
+      </p:par>
+    </p:tnLst>
+  </p:timing>
+</p:sld>
+</file>
+
+<file path=ppt/slides/slide6.xml><?xml version="1.0" encoding="utf-8"?>
+<p:sld xmlns:a="http://schemas.openxmlformats.org/drawingml/2006/main" xmlns:r="http://schemas.openxmlformats.org/officeDocument/2006/relationships" xmlns:p="http://schemas.openxmlformats.org/presentationml/2006/main">
+  <p:cSld>
+    <p:spTree>
+      <p:nvGrpSpPr>
+        <p:cNvPr id="1" name=""/>
+        <p:cNvGrpSpPr/>
+        <p:nvPr/>
+      </p:nvGrpSpPr>
+      <p:grpSpPr>
+        <a:xfrm>
+          <a:off x="0" y="0"/>
+          <a:ext cx="0" cy="0"/>
+          <a:chOff x="0" y="0"/>
+          <a:chExt cx="0" cy="0"/>
+        </a:xfrm>
+      </p:grpSpPr>
+      <p:sp>
+        <p:nvSpPr>
+          <p:cNvPr id="2" name="Заголовок 1"/>
+          <p:cNvSpPr>
+            <a:spLocks noGrp="1"/>
+          </p:cNvSpPr>
+          <p:nvPr>
+            <p:ph type="title"/>
+          </p:nvPr>
+        </p:nvSpPr>
+        <p:spPr>
+          <a:xfrm>
+            <a:off x="6907793" y="2239193"/>
+            <a:ext cx="5016374" cy="1325563"/>
+          </a:xfrm>
+        </p:spPr>
+        <p:txBody>
+          <a:bodyPr/>
+          <a:lstStyle/>
+          <a:p>
+            <a:r>
+              <a:rPr lang="ru-RU" dirty="0" smtClean="0"/>
+              <a:t>Абстракции</a:t>
+            </a:r>
+            <a:endParaRPr lang="ru-RU" dirty="0"/>
+          </a:p>
+        </p:txBody>
+      </p:sp>
+      <p:pic>
+        <p:nvPicPr>
+          <p:cNvPr id="1026" name="Picture 2" descr="UML Class Diagrams"/>
+          <p:cNvPicPr>
+            <a:picLocks noChangeAspect="1" noChangeArrowheads="1"/>
+          </p:cNvPicPr>
+          <p:nvPr/>
+        </p:nvPicPr>
+        <p:blipFill>
+          <a:blip r:embed="rId2">
+            <a:extLst>
+              <a:ext uri="{28A0092B-C50C-407E-A947-70E740481C1C}">
+                <a14:useLocalDpi xmlns:a14="http://schemas.microsoft.com/office/drawing/2010/main" val="0"/>
+              </a:ext>
+            </a:extLst>
+          </a:blip>
+          <a:srcRect/>
+          <a:stretch>
+            <a:fillRect/>
+          </a:stretch>
+        </p:blipFill>
+        <p:spPr bwMode="auto">
+          <a:xfrm>
+            <a:off x="0" y="0"/>
+            <a:ext cx="5890693" cy="6853953"/>
+          </a:xfrm>
+          <a:prstGeom prst="rect">
+            <a:avLst/>
+          </a:prstGeom>
+          <a:noFill/>
+          <a:extLst>
+            <a:ext uri="{909E8E84-426E-40DD-AFC4-6F175D3DCCD1}">
+              <a14:hiddenFill xmlns:a14="http://schemas.microsoft.com/office/drawing/2010/main">
+                <a:solidFill>
+                  <a:srgbClr val="FFFFFF"/>
+                </a:solidFill>
+              </a14:hiddenFill>
+            </a:ext>
+          </a:extLst>
+        </p:spPr>
+      </p:pic>
+    </p:spTree>
+    <p:extLst>
+      <p:ext uri="{BB962C8B-B14F-4D97-AF65-F5344CB8AC3E}">
+        <p14:creationId xmlns:p14="http://schemas.microsoft.com/office/powerpoint/2010/main" val="1996465122"/>
+      </p:ext>
+    </p:extLst>
+  </p:cSld>
+  <p:clrMapOvr>
+    <a:masterClrMapping/>
+  </p:clrMapOvr>
+  <p:timing>
+    <p:tnLst>
+      <p:par>
+        <p:cTn id="1" dur="indefinite" restart="never" nodeType="tmRoot"/>
+      </p:par>
+    </p:tnLst>
+  </p:timing>
+</p:sld>
+</file>
+
+<file path=ppt/slides/slide7.xml><?xml version="1.0" encoding="utf-8"?>
+<p:sld xmlns:a="http://schemas.openxmlformats.org/drawingml/2006/main" xmlns:r="http://schemas.openxmlformats.org/officeDocument/2006/relationships" xmlns:p="http://schemas.openxmlformats.org/presentationml/2006/main">
+  <p:cSld>
+    <p:spTree>
+      <p:nvGrpSpPr>
+        <p:cNvPr id="1" name=""/>
+        <p:cNvGrpSpPr/>
+        <p:nvPr/>
+      </p:nvGrpSpPr>
+      <p:grpSpPr>
+        <a:xfrm>
+          <a:off x="0" y="0"/>
+          <a:ext cx="0" cy="0"/>
+          <a:chOff x="0" y="0"/>
+          <a:chExt cx="0" cy="0"/>
+        </a:xfrm>
+      </p:grpSpPr>
+      <p:pic>
+        <p:nvPicPr>
+          <p:cNvPr id="4" name="Рисунок 3"/>
+          <p:cNvPicPr>
+            <a:picLocks noChangeAspect="1"/>
+          </p:cNvPicPr>
+          <p:nvPr/>
+        </p:nvPicPr>
+        <p:blipFill>
+          <a:blip r:embed="rId2"/>
+          <a:stretch>
+            <a:fillRect/>
+          </a:stretch>
+        </p:blipFill>
+        <p:spPr>
+          <a:xfrm>
+            <a:off x="-1" y="0"/>
+            <a:ext cx="7735189" cy="6858001"/>
+          </a:xfrm>
+          <a:prstGeom prst="rect">
+            <a:avLst/>
+          </a:prstGeom>
+        </p:spPr>
+      </p:pic>
+      <p:sp>
+        <p:nvSpPr>
+          <p:cNvPr id="2" name="Заголовок 1"/>
+          <p:cNvSpPr>
+            <a:spLocks noGrp="1"/>
+          </p:cNvSpPr>
+          <p:nvPr>
+            <p:ph type="title"/>
+          </p:nvPr>
+        </p:nvSpPr>
+        <p:spPr>
+          <a:xfrm>
+            <a:off x="5045045" y="132046"/>
+            <a:ext cx="6869316" cy="2629261"/>
+          </a:xfrm>
+        </p:spPr>
+        <p:txBody>
+          <a:bodyPr>
+            <a:normAutofit/>
+          </a:bodyPr>
+          <a:lstStyle/>
+          <a:p>
+            <a:pPr algn="r"/>
+            <a:r>
+              <a:rPr lang="ru-RU" dirty="0" smtClean="0"/>
+              <a:t>Инверсия контроля</a:t>
+            </a:r>
+            <a:br>
+              <a:rPr lang="ru-RU" dirty="0" smtClean="0"/>
+            </a:br>
+            <a:r>
+              <a:rPr lang="ru-RU" dirty="0" smtClean="0"/>
+              <a:t>и </a:t>
+            </a:r>
+            <a:r>
+              <a:rPr lang="en-US" dirty="0" smtClean="0"/>
+              <a:t>Dependency Injection</a:t>
+            </a:r>
+            <a:endParaRPr lang="ru-RU" dirty="0"/>
+          </a:p>
+        </p:txBody>
+      </p:sp>
+    </p:spTree>
+    <p:extLst>
+      <p:ext uri="{BB962C8B-B14F-4D97-AF65-F5344CB8AC3E}">
+        <p14:creationId xmlns:p14="http://schemas.microsoft.com/office/powerpoint/2010/main" val="3629204476"/>
+      </p:ext>
+    </p:extLst>
+  </p:cSld>
+  <p:clrMapOvr>
+    <a:masterClrMapping/>
+  </p:clrMapOvr>
+  <p:timing>
+    <p:tnLst>
+      <p:par>
+        <p:cTn id="1" dur="indefinite" restart="never" nodeType="tmRoot"/>
+      </p:par>
+    </p:tnLst>
+  </p:timing>
+</p:sld>
+</file>
+
+<file path=ppt/slides/slide8.xml><?xml version="1.0" encoding="utf-8"?>
+<p:sld xmlns:a="http://schemas.openxmlformats.org/drawingml/2006/main" xmlns:r="http://schemas.openxmlformats.org/officeDocument/2006/relationships" xmlns:p="http://schemas.openxmlformats.org/presentationml/2006/main">
+  <p:cSld>
+    <p:spTree>
+      <p:nvGrpSpPr>
+        <p:cNvPr id="1" name=""/>
+        <p:cNvGrpSpPr/>
+        <p:nvPr/>
+      </p:nvGrpSpPr>
+      <p:grpSpPr>
+        <a:xfrm>
+          <a:off x="0" y="0"/>
+          <a:ext cx="0" cy="0"/>
+          <a:chOff x="0" y="0"/>
+          <a:chExt cx="0" cy="0"/>
+        </a:xfrm>
+      </p:grpSpPr>
+      <p:sp>
+        <p:nvSpPr>
+          <p:cNvPr id="2" name="Заголовок 1"/>
+          <p:cNvSpPr>
+            <a:spLocks noGrp="1"/>
+          </p:cNvSpPr>
+          <p:nvPr>
+            <p:ph type="title"/>
+          </p:nvPr>
+        </p:nvSpPr>
+        <p:spPr/>
+        <p:txBody>
+          <a:bodyPr/>
+          <a:lstStyle/>
+          <a:p>
+            <a:r>
+              <a:rPr lang="ru-RU" dirty="0" smtClean="0"/>
+              <a:t>Паттерны проектирования</a:t>
+            </a:r>
+            <a:endParaRPr lang="ru-RU" dirty="0"/>
+          </a:p>
+        </p:txBody>
+      </p:sp>
+      <p:sp>
+        <p:nvSpPr>
+          <p:cNvPr id="3" name="Объект 2"/>
+          <p:cNvSpPr>
+            <a:spLocks noGrp="1"/>
+          </p:cNvSpPr>
+          <p:nvPr>
+            <p:ph idx="1"/>
+          </p:nvPr>
+        </p:nvSpPr>
+        <p:spPr/>
+        <p:txBody>
+          <a:bodyPr/>
+          <a:lstStyle/>
+          <a:p>
+            <a:endParaRPr lang="ru-RU"/>
+          </a:p>
+        </p:txBody>
+      </p:sp>
+      <p:pic>
+        <p:nvPicPr>
+          <p:cNvPr id="2052" name="Picture 4" descr="Design Patterns: Solution to Software Design Problems - Edureka"/>
+          <p:cNvPicPr>
+            <a:picLocks noChangeAspect="1" noChangeArrowheads="1"/>
+          </p:cNvPicPr>
+          <p:nvPr/>
+        </p:nvPicPr>
+        <p:blipFill>
+          <a:blip r:embed="rId2">
+            <a:extLst>
+              <a:ext uri="{28A0092B-C50C-407E-A947-70E740481C1C}">
+                <a14:useLocalDpi xmlns:a14="http://schemas.microsoft.com/office/drawing/2010/main" val="0"/>
+              </a:ext>
+            </a:extLst>
+          </a:blip>
+          <a:srcRect/>
+          <a:stretch>
+            <a:fillRect/>
+          </a:stretch>
+        </p:blipFill>
+        <p:spPr bwMode="auto">
+          <a:xfrm>
+            <a:off x="0" y="1965325"/>
+            <a:ext cx="12215810" cy="4071937"/>
+          </a:xfrm>
+          <a:prstGeom prst="rect">
+            <a:avLst/>
+          </a:prstGeom>
+          <a:noFill/>
+          <a:extLst>
+            <a:ext uri="{909E8E84-426E-40DD-AFC4-6F175D3DCCD1}">
+              <a14:hiddenFill xmlns:a14="http://schemas.microsoft.com/office/drawing/2010/main">
+                <a:solidFill>
+                  <a:srgbClr val="FFFFFF"/>
+                </a:solidFill>
+              </a14:hiddenFill>
+            </a:ext>
+          </a:extLst>
+        </p:spPr>
+      </p:pic>
+    </p:spTree>
+    <p:extLst>
+      <p:ext uri="{BB962C8B-B14F-4D97-AF65-F5344CB8AC3E}">
+        <p14:creationId xmlns:p14="http://schemas.microsoft.com/office/powerpoint/2010/main" val="2889262611"/>
+      </p:ext>
+    </p:extLst>
+  </p:cSld>
+  <p:clrMapOvr>
+    <a:masterClrMapping/>
+  </p:clrMapOvr>
+  <p:timing>
+    <p:tnLst>
+      <p:par>
+        <p:cTn id="1" dur="indefinite" restart="never" nodeType="tmRoot"/>
+      </p:par>
+    </p:tnLst>
+  </p:timing>
+</p:sld>
+</file>
+
+<file path=ppt/slides/slide9.xml><?xml version="1.0" encoding="utf-8"?>
+<p:sld xmlns:a="http://schemas.openxmlformats.org/drawingml/2006/main" xmlns:r="http://schemas.openxmlformats.org/officeDocument/2006/relationships" xmlns:p="http://schemas.openxmlformats.org/presentationml/2006/main">
+  <p:cSld>
+    <p:spTree>
+      <p:nvGrpSpPr>
+        <p:cNvPr id="1" name=""/>
+        <p:cNvGrpSpPr/>
+        <p:nvPr/>
+      </p:nvGrpSpPr>
+      <p:grpSpPr>
+        <a:xfrm>
+          <a:off x="0" y="0"/>
+          <a:ext cx="0" cy="0"/>
+          <a:chOff x="0" y="0"/>
+          <a:chExt cx="0" cy="0"/>
+        </a:xfrm>
+      </p:grpSpPr>
+      <p:sp>
+        <p:nvSpPr>
+          <p:cNvPr id="2" name="Заголовок 1"/>
+          <p:cNvSpPr>
+            <a:spLocks noGrp="1"/>
+          </p:cNvSpPr>
+          <p:nvPr>
+            <p:ph type="title"/>
+          </p:nvPr>
+        </p:nvSpPr>
+        <p:spPr/>
+        <p:txBody>
+          <a:bodyPr/>
+          <a:lstStyle/>
+          <a:p>
+            <a:r>
+              <a:rPr lang="en-US" dirty="0" smtClean="0"/>
+              <a:t>GitHub Projects</a:t>
+            </a:r>
+            <a:endParaRPr lang="ru-RU" dirty="0"/>
+          </a:p>
+        </p:txBody>
+      </p:sp>
+      <p:sp>
+        <p:nvSpPr>
+          <p:cNvPr id="3" name="Объект 2"/>
+          <p:cNvSpPr>
+            <a:spLocks noGrp="1"/>
+          </p:cNvSpPr>
+          <p:nvPr>
+            <p:ph idx="1"/>
+          </p:nvPr>
+        </p:nvSpPr>
+        <p:spPr/>
+        <p:txBody>
+          <a:bodyPr/>
+          <a:lstStyle/>
+          <a:p>
+            <a:endParaRPr lang="ru-RU"/>
+          </a:p>
+        </p:txBody>
+      </p:sp>
+      <p:pic>
+        <p:nvPicPr>
+          <p:cNvPr id="4" name="Рисунок 3"/>
+          <p:cNvPicPr>
+            <a:picLocks noChangeAspect="1"/>
+          </p:cNvPicPr>
+          <p:nvPr/>
+        </p:nvPicPr>
+        <p:blipFill>
+          <a:blip r:embed="rId2"/>
+          <a:stretch>
+            <a:fillRect/>
+          </a:stretch>
+        </p:blipFill>
+        <p:spPr>
+          <a:xfrm>
+            <a:off x="845574" y="1899981"/>
+            <a:ext cx="10500852" cy="4958019"/>
+          </a:xfrm>
+          <a:prstGeom prst="rect">
+            <a:avLst/>
+          </a:prstGeom>
+        </p:spPr>
+      </p:pic>
+    </p:spTree>
+    <p:extLst>
+      <p:ext uri="{BB962C8B-B14F-4D97-AF65-F5344CB8AC3E}">
+        <p14:creationId xmlns:p14="http://schemas.microsoft.com/office/powerpoint/2010/main" val="3881645675"/>
+      </p:ext>
+    </p:extLst>
+  </p:cSld>
+  <p:clrMapOvr>
+    <a:masterClrMapping/>
+  </p:clrMapOvr>
+  <p:timing>
+    <p:tnLst>
+      <p:par>
+        <p:cTn id="1" dur="indefinite" restart="never" nodeType="tmRoot"/>
+      </p:par>
+    </p:tnLst>
+  </p:timing>
 </p:sld>
 </file>
 

--- a/Презентация.pptx
+++ b/Презентация.pptx
@@ -3499,40 +3499,28 @@
           <a:bodyPr/>
           <a:lstStyle/>
           <a:p>
-            <a:endParaRPr lang="ru-RU"/>
-          </a:p>
-        </p:txBody>
-      </p:sp>
-      <p:pic>
-        <p:nvPicPr>
-          <p:cNvPr id="4" name="Рисунок 3"/>
-          <p:cNvPicPr>
-            <a:picLocks noChangeAspect="1"/>
-          </p:cNvPicPr>
-          <p:nvPr/>
-        </p:nvPicPr>
-        <p:blipFill>
-          <a:blip r:embed="rId2">
-            <a:extLst>
-              <a:ext uri="{28A0092B-C50C-407E-A947-70E740481C1C}">
-                <a14:useLocalDpi xmlns:a14="http://schemas.microsoft.com/office/drawing/2010/main" val="0"/>
-              </a:ext>
-            </a:extLst>
-          </a:blip>
-          <a:stretch>
-            <a:fillRect/>
-          </a:stretch>
-        </p:blipFill>
-        <p:spPr>
-          <a:xfrm>
-            <a:off x="1912374" y="1374080"/>
-            <a:ext cx="8367252" cy="5490396"/>
-          </a:xfrm>
-          <a:prstGeom prst="rect">
-            <a:avLst/>
-          </a:prstGeom>
-        </p:spPr>
-      </p:pic>
+            <a:r>
+              <a:rPr lang="ru-RU" dirty="0" smtClean="0"/>
+              <a:t>Гибкая кодовая база</a:t>
+            </a:r>
+          </a:p>
+          <a:p>
+            <a:r>
+              <a:rPr lang="ru-RU" dirty="0" smtClean="0"/>
+              <a:t>Простота программы</a:t>
+            </a:r>
+          </a:p>
+          <a:p>
+            <a:r>
+              <a:rPr lang="ru-RU" dirty="0" smtClean="0"/>
+              <a:t>Возможность применения в любительских кругах</a:t>
+            </a:r>
+          </a:p>
+          <a:p>
+            <a:endParaRPr lang="ru-RU" dirty="0"/>
+          </a:p>
+        </p:txBody>
+      </p:sp>
     </p:spTree>
     <p:extLst>
       <p:ext uri="{BB962C8B-B14F-4D97-AF65-F5344CB8AC3E}">
@@ -3543,6 +3531,13 @@
   <p:clrMapOvr>
     <a:masterClrMapping/>
   </p:clrMapOvr>
+  <p:timing>
+    <p:tnLst>
+      <p:par>
+        <p:cTn id="1" dur="indefinite" restart="never" nodeType="tmRoot"/>
+      </p:par>
+    </p:tnLst>
+  </p:timing>
 </p:sld>
 </file>
 
